--- a/presentazione.pptx
+++ b/presentazione.pptx
@@ -227,7 +227,7 @@
             <a:fld id="{E01FB46F-BD78-482B-B3D4-E3A10F72B1D7}" type="datetimeFigureOut">
               <a:rPr lang="en-US" smtClean="0"/>
               <a:pPr/>
-              <a:t>2/26/2021</a:t>
+              <a:t>11/17/2021</a:t>
             </a:fld>
             <a:endParaRPr lang="en-US"/>
           </a:p>
@@ -2042,7 +2042,7 @@
             <a:fld id="{B2886038-BBD4-4E74-BA31-9BE2972D923D}" type="datetimeFigureOut">
               <a:rPr lang="it-IT" smtClean="0"/>
               <a:pPr/>
-              <a:t>26/02/2021</a:t>
+              <a:t>17/11/2021</a:t>
             </a:fld>
             <a:endParaRPr lang="it-IT"/>
           </a:p>
@@ -2207,7 +2207,7 @@
             <a:fld id="{B2886038-BBD4-4E74-BA31-9BE2972D923D}" type="datetimeFigureOut">
               <a:rPr lang="it-IT" smtClean="0"/>
               <a:pPr/>
-              <a:t>26/02/2021</a:t>
+              <a:t>17/11/2021</a:t>
             </a:fld>
             <a:endParaRPr lang="it-IT"/>
           </a:p>
@@ -2382,7 +2382,7 @@
             <a:fld id="{B2886038-BBD4-4E74-BA31-9BE2972D923D}" type="datetimeFigureOut">
               <a:rPr lang="it-IT" smtClean="0"/>
               <a:pPr/>
-              <a:t>26/02/2021</a:t>
+              <a:t>17/11/2021</a:t>
             </a:fld>
             <a:endParaRPr lang="it-IT"/>
           </a:p>
@@ -2547,7 +2547,7 @@
             <a:fld id="{B2886038-BBD4-4E74-BA31-9BE2972D923D}" type="datetimeFigureOut">
               <a:rPr lang="it-IT" smtClean="0"/>
               <a:pPr/>
-              <a:t>26/02/2021</a:t>
+              <a:t>17/11/2021</a:t>
             </a:fld>
             <a:endParaRPr lang="it-IT"/>
           </a:p>
@@ -2789,7 +2789,7 @@
             <a:fld id="{B2886038-BBD4-4E74-BA31-9BE2972D923D}" type="datetimeFigureOut">
               <a:rPr lang="it-IT" smtClean="0"/>
               <a:pPr/>
-              <a:t>26/02/2021</a:t>
+              <a:t>17/11/2021</a:t>
             </a:fld>
             <a:endParaRPr lang="it-IT"/>
           </a:p>
@@ -3071,7 +3071,7 @@
             <a:fld id="{B2886038-BBD4-4E74-BA31-9BE2972D923D}" type="datetimeFigureOut">
               <a:rPr lang="it-IT" smtClean="0"/>
               <a:pPr/>
-              <a:t>26/02/2021</a:t>
+              <a:t>17/11/2021</a:t>
             </a:fld>
             <a:endParaRPr lang="it-IT"/>
           </a:p>
@@ -3487,7 +3487,7 @@
             <a:fld id="{B2886038-BBD4-4E74-BA31-9BE2972D923D}" type="datetimeFigureOut">
               <a:rPr lang="it-IT" smtClean="0"/>
               <a:pPr/>
-              <a:t>26/02/2021</a:t>
+              <a:t>17/11/2021</a:t>
             </a:fld>
             <a:endParaRPr lang="it-IT"/>
           </a:p>
@@ -3601,7 +3601,7 @@
             <a:fld id="{B2886038-BBD4-4E74-BA31-9BE2972D923D}" type="datetimeFigureOut">
               <a:rPr lang="it-IT" smtClean="0"/>
               <a:pPr/>
-              <a:t>26/02/2021</a:t>
+              <a:t>17/11/2021</a:t>
             </a:fld>
             <a:endParaRPr lang="it-IT"/>
           </a:p>
@@ -3693,7 +3693,7 @@
             <a:fld id="{B2886038-BBD4-4E74-BA31-9BE2972D923D}" type="datetimeFigureOut">
               <a:rPr lang="it-IT" smtClean="0"/>
               <a:pPr/>
-              <a:t>26/02/2021</a:t>
+              <a:t>17/11/2021</a:t>
             </a:fld>
             <a:endParaRPr lang="it-IT"/>
           </a:p>
@@ -3965,7 +3965,7 @@
             <a:fld id="{B2886038-BBD4-4E74-BA31-9BE2972D923D}" type="datetimeFigureOut">
               <a:rPr lang="it-IT" smtClean="0"/>
               <a:pPr/>
-              <a:t>26/02/2021</a:t>
+              <a:t>17/11/2021</a:t>
             </a:fld>
             <a:endParaRPr lang="it-IT"/>
           </a:p>
@@ -4214,7 +4214,7 @@
             <a:fld id="{B2886038-BBD4-4E74-BA31-9BE2972D923D}" type="datetimeFigureOut">
               <a:rPr lang="it-IT" smtClean="0"/>
               <a:pPr/>
-              <a:t>26/02/2021</a:t>
+              <a:t>17/11/2021</a:t>
             </a:fld>
             <a:endParaRPr lang="it-IT"/>
           </a:p>
@@ -4428,7 +4428,7 @@
             <a:fld id="{B2886038-BBD4-4E74-BA31-9BE2972D923D}" type="datetimeFigureOut">
               <a:rPr lang="it-IT" smtClean="0"/>
               <a:pPr/>
-              <a:t>26/02/2021</a:t>
+              <a:t>17/11/2021</a:t>
             </a:fld>
             <a:endParaRPr lang="it-IT"/>
           </a:p>
@@ -7890,8 +7890,8 @@
         </p:nvSpPr>
         <p:spPr>
           <a:xfrm>
-            <a:off x="150470" y="3513481"/>
-            <a:ext cx="1429879" cy="646331"/>
+            <a:off x="242900" y="3513481"/>
+            <a:ext cx="1245021" cy="646331"/>
           </a:xfrm>
           <a:prstGeom prst="rect">
             <a:avLst/>
@@ -7906,31 +7906,23 @@
           <a:p>
             <a:pPr algn="ctr"/>
             <a:r>
-              <a:rPr lang="en-US" dirty="0" err="1">
+              <a:rPr lang="en-US" dirty="0">
                 <a:solidFill>
                   <a:schemeClr val="bg1"/>
                 </a:solidFill>
               </a:rPr>
-              <a:t>Applicazione</a:t>
-            </a:r>
+              <a:t>Android </a:t>
+            </a:r>
+          </a:p>
+          <a:p>
+            <a:pPr algn="ctr"/>
             <a:r>
               <a:rPr lang="en-US" dirty="0">
                 <a:solidFill>
                   <a:schemeClr val="bg1"/>
                 </a:solidFill>
               </a:rPr>
-              <a:t> </a:t>
-            </a:r>
-          </a:p>
-          <a:p>
-            <a:pPr algn="ctr"/>
-            <a:r>
-              <a:rPr lang="en-US" dirty="0">
-                <a:solidFill>
-                  <a:schemeClr val="bg1"/>
-                </a:solidFill>
-              </a:rPr>
-              <a:t>android</a:t>
+              <a:t>Application</a:t>
             </a:r>
           </a:p>
         </p:txBody>
@@ -7988,8 +7980,8 @@
         </p:nvSpPr>
         <p:spPr>
           <a:xfrm>
-            <a:off x="2853914" y="3550642"/>
-            <a:ext cx="1328762" cy="646331"/>
+            <a:off x="3027841" y="3550642"/>
+            <a:ext cx="980910" cy="646331"/>
           </a:xfrm>
           <a:prstGeom prst="rect">
             <a:avLst/>
@@ -8004,31 +7996,23 @@
           <a:p>
             <a:pPr algn="ctr"/>
             <a:r>
-              <a:rPr lang="en-US" dirty="0" err="1">
+              <a:rPr lang="en-US" dirty="0">
                 <a:solidFill>
                   <a:schemeClr val="bg1"/>
                 </a:solidFill>
               </a:rPr>
-              <a:t>Programma</a:t>
-            </a:r>
+              <a:t>Java </a:t>
+            </a:r>
+          </a:p>
+          <a:p>
+            <a:pPr algn="ctr"/>
             <a:r>
               <a:rPr lang="en-US" dirty="0">
                 <a:solidFill>
                   <a:schemeClr val="bg1"/>
                 </a:solidFill>
               </a:rPr>
-              <a:t> </a:t>
-            </a:r>
-          </a:p>
-          <a:p>
-            <a:pPr algn="ctr"/>
-            <a:r>
-              <a:rPr lang="en-US" dirty="0">
-                <a:solidFill>
-                  <a:schemeClr val="bg1"/>
-                </a:solidFill>
-              </a:rPr>
-              <a:t>Java</a:t>
+              <a:t>Program</a:t>
             </a:r>
           </a:p>
         </p:txBody>
@@ -8101,20 +8085,12 @@
           <a:lstStyle/>
           <a:p>
             <a:r>
-              <a:rPr lang="en-US" dirty="0" err="1">
+              <a:rPr lang="en-US" dirty="0">
                 <a:solidFill>
                   <a:schemeClr val="bg1"/>
                 </a:solidFill>
               </a:rPr>
-              <a:t>Airsim</a:t>
-            </a:r>
-            <a:r>
-              <a:rPr lang="en-US" dirty="0">
-                <a:solidFill>
-                  <a:schemeClr val="bg1"/>
-                </a:solidFill>
-              </a:rPr>
-              <a:t> (Unreal Engine)</a:t>
+              <a:t>Airsim (Unreal Engine)</a:t>
             </a:r>
           </a:p>
         </p:txBody>
@@ -8782,18 +8758,13 @@
           <a:lstStyle/>
           <a:p>
             <a:r>
-              <a:rPr lang="en-US" sz="1400" dirty="0" err="1">
+              <a:rPr lang="en-US" sz="1400" dirty="0">
                 <a:solidFill>
                   <a:schemeClr val="bg1"/>
                 </a:solidFill>
               </a:rPr>
               <a:t>Simulatore</a:t>
             </a:r>
-            <a:endParaRPr lang="en-US" sz="1400" dirty="0">
-              <a:solidFill>
-                <a:schemeClr val="bg1"/>
-              </a:solidFill>
-            </a:endParaRPr>
           </a:p>
         </p:txBody>
       </p:sp>
@@ -9495,18 +9466,13 @@
             <a:lstStyle/>
             <a:p>
               <a:r>
-                <a:rPr lang="en-US" sz="1050" dirty="0" err="1">
+                <a:rPr lang="en-US" sz="1050" dirty="0">
                   <a:solidFill>
                     <a:schemeClr val="bg1"/>
                   </a:solidFill>
                 </a:rPr>
                 <a:t>simulatore</a:t>
               </a:r>
-              <a:endParaRPr lang="en-US" sz="1050" dirty="0">
-                <a:solidFill>
-                  <a:schemeClr val="bg1"/>
-                </a:solidFill>
-              </a:endParaRPr>
             </a:p>
           </p:txBody>
         </p:sp>
@@ -10889,6 +10855,21 @@
 </file>
 
 <file path=customXml/item1.xml><?xml version="1.0" encoding="utf-8"?>
+<?mso-contentType ?>
+<FormTemplates xmlns="http://schemas.microsoft.com/sharepoint/v3/contenttype/forms">
+  <Display>DocumentLibraryForm</Display>
+  <Edit>DocumentLibraryForm</Edit>
+  <New>DocumentLibraryForm</New>
+</FormTemplates>
+</file>
+
+<file path=customXml/item2.xml><?xml version="1.0" encoding="utf-8"?>
+<p:properties xmlns:p="http://schemas.microsoft.com/office/2006/metadata/properties" xmlns:xsi="http://www.w3.org/2001/XMLSchema-instance" xmlns:pc="http://schemas.microsoft.com/office/infopath/2007/PartnerControls">
+  <documentManagement/>
+</p:properties>
+</file>
+
+<file path=customXml/item3.xml><?xml version="1.0" encoding="utf-8"?>
 <ct:contentTypeSchema xmlns:ct="http://schemas.microsoft.com/office/2006/metadata/contentType" xmlns:ma="http://schemas.microsoft.com/office/2006/metadata/properties/metaAttributes" ct:_="" ma:_="" ma:contentTypeName="Documento" ma:contentTypeID="0x010100593E9D3E6979814888E96D279505547B" ma:contentTypeVersion="9" ma:contentTypeDescription="Creare un nuovo documento." ma:contentTypeScope="" ma:versionID="1174d7e7aef49bce6a76d66f0c218c91">
   <xsd:schema xmlns:xsd="http://www.w3.org/2001/XMLSchema" xmlns:xs="http://www.w3.org/2001/XMLSchema" xmlns:p="http://schemas.microsoft.com/office/2006/metadata/properties" xmlns:ns2="6b9139f2-d4a8-4fcf-9c69-a4fd8defd132" targetNamespace="http://schemas.microsoft.com/office/2006/metadata/properties" ma:root="true" ma:fieldsID="2e4e5f89ca4ec82810fbc6e1561bc878" ns2:_="">
     <xsd:import namespace="6b9139f2-d4a8-4fcf-9c69-a4fd8defd132"/>
@@ -11066,35 +11047,10 @@
 </ct:contentTypeSchema>
 </file>
 
-<file path=customXml/item2.xml><?xml version="1.0" encoding="utf-8"?>
-<p:properties xmlns:p="http://schemas.microsoft.com/office/2006/metadata/properties" xmlns:xsi="http://www.w3.org/2001/XMLSchema-instance" xmlns:pc="http://schemas.microsoft.com/office/infopath/2007/PartnerControls">
-  <documentManagement/>
-</p:properties>
-</file>
-
-<file path=customXml/item3.xml><?xml version="1.0" encoding="utf-8"?>
-<?mso-contentType ?>
-<FormTemplates xmlns="http://schemas.microsoft.com/sharepoint/v3/contenttype/forms">
-  <Display>DocumentLibraryForm</Display>
-  <Edit>DocumentLibraryForm</Edit>
-  <New>DocumentLibraryForm</New>
-</FormTemplates>
-</file>
-
 <file path=customXml/itemProps1.xml><?xml version="1.0" encoding="utf-8"?>
-<ds:datastoreItem xmlns:ds="http://schemas.openxmlformats.org/officeDocument/2006/customXml" ds:itemID="{58D894B8-0FB0-4ACC-B3DF-7B03F4078728}">
+<ds:datastoreItem xmlns:ds="http://schemas.openxmlformats.org/officeDocument/2006/customXml" ds:itemID="{DACFDF81-2C3E-4B76-80C5-C6938B32F34B}">
   <ds:schemaRefs>
-    <ds:schemaRef ds:uri="http://schemas.microsoft.com/office/2006/metadata/contentType"/>
-    <ds:schemaRef ds:uri="http://schemas.microsoft.com/office/2006/metadata/properties/metaAttributes"/>
-    <ds:schemaRef ds:uri="http://www.w3.org/2001/XMLSchema"/>
-    <ds:schemaRef ds:uri="http://schemas.microsoft.com/office/2006/metadata/properties"/>
-    <ds:schemaRef ds:uri="6b9139f2-d4a8-4fcf-9c69-a4fd8defd132"/>
-    <ds:schemaRef ds:uri="http://schemas.microsoft.com/office/2006/documentManagement/types"/>
-    <ds:schemaRef ds:uri="http://schemas.microsoft.com/office/infopath/2007/PartnerControls"/>
-    <ds:schemaRef ds:uri="http://schemas.openxmlformats.org/package/2006/metadata/core-properties"/>
-    <ds:schemaRef ds:uri="http://purl.org/dc/elements/1.1/"/>
-    <ds:schemaRef ds:uri="http://purl.org/dc/terms/"/>
-    <ds:schemaRef ds:uri="http://schemas.microsoft.com/internal/obd"/>
+    <ds:schemaRef ds:uri="http://schemas.microsoft.com/sharepoint/v3/contenttype/forms"/>
   </ds:schemaRefs>
 </ds:datastoreItem>
 </file>
@@ -11116,9 +11072,19 @@
 </file>
 
 <file path=customXml/itemProps3.xml><?xml version="1.0" encoding="utf-8"?>
-<ds:datastoreItem xmlns:ds="http://schemas.openxmlformats.org/officeDocument/2006/customXml" ds:itemID="{DACFDF81-2C3E-4B76-80C5-C6938B32F34B}">
+<ds:datastoreItem xmlns:ds="http://schemas.openxmlformats.org/officeDocument/2006/customXml" ds:itemID="{58D894B8-0FB0-4ACC-B3DF-7B03F4078728}">
   <ds:schemaRefs>
-    <ds:schemaRef ds:uri="http://schemas.microsoft.com/sharepoint/v3/contenttype/forms"/>
+    <ds:schemaRef ds:uri="http://schemas.microsoft.com/office/2006/metadata/contentType"/>
+    <ds:schemaRef ds:uri="http://schemas.microsoft.com/office/2006/metadata/properties/metaAttributes"/>
+    <ds:schemaRef ds:uri="http://www.w3.org/2001/XMLSchema"/>
+    <ds:schemaRef ds:uri="http://schemas.microsoft.com/office/2006/metadata/properties"/>
+    <ds:schemaRef ds:uri="6b9139f2-d4a8-4fcf-9c69-a4fd8defd132"/>
+    <ds:schemaRef ds:uri="http://schemas.microsoft.com/office/2006/documentManagement/types"/>
+    <ds:schemaRef ds:uri="http://schemas.microsoft.com/office/infopath/2007/PartnerControls"/>
+    <ds:schemaRef ds:uri="http://schemas.openxmlformats.org/package/2006/metadata/core-properties"/>
+    <ds:schemaRef ds:uri="http://purl.org/dc/elements/1.1/"/>
+    <ds:schemaRef ds:uri="http://purl.org/dc/terms/"/>
+    <ds:schemaRef ds:uri="http://schemas.microsoft.com/internal/obd"/>
   </ds:schemaRefs>
 </ds:datastoreItem>
 </file>